--- a/ppt 16-9/1426.忍耐等候.pptx
+++ b/ppt 16-9/1426.忍耐等候.pptx
@@ -129,7 +129,7 @@
           <p:cNvPr id="2" name="标题 1">
             <a:extLst>
               <a:ext uri="{FF2B5EF4-FFF2-40B4-BE49-F238E27FC236}">
-                <a16:creationId xmlns:a16="http://schemas.microsoft.com/office/drawing/2014/main" id="{BB290829-5E25-6822-75B3-C519EE66B8A3}"/>
+                <a16:creationId xmlns:a16="http://schemas.microsoft.com/office/drawing/2014/main" id="{EF5ECC9A-F6FE-F980-D5D5-AF65A367E91A}"/>
               </a:ext>
             </a:extLst>
           </p:cNvPr>
@@ -166,7 +166,7 @@
           <p:cNvPr id="3" name="副标题 2">
             <a:extLst>
               <a:ext uri="{FF2B5EF4-FFF2-40B4-BE49-F238E27FC236}">
-                <a16:creationId xmlns:a16="http://schemas.microsoft.com/office/drawing/2014/main" id="{11429931-A594-1260-2BEA-945FABCBC16E}"/>
+                <a16:creationId xmlns:a16="http://schemas.microsoft.com/office/drawing/2014/main" id="{110E5699-C916-93AB-A5DE-9C61338E8950}"/>
               </a:ext>
             </a:extLst>
           </p:cNvPr>
@@ -236,7 +236,7 @@
           <p:cNvPr id="4" name="日期占位符 3">
             <a:extLst>
               <a:ext uri="{FF2B5EF4-FFF2-40B4-BE49-F238E27FC236}">
-                <a16:creationId xmlns:a16="http://schemas.microsoft.com/office/drawing/2014/main" id="{870A182F-22C2-5373-9767-5D71AA7DB8D2}"/>
+                <a16:creationId xmlns:a16="http://schemas.microsoft.com/office/drawing/2014/main" id="{FFEB6996-C5C1-EEE0-70DE-03356A44BBE1}"/>
               </a:ext>
             </a:extLst>
           </p:cNvPr>
@@ -252,7 +252,7 @@
           <a:bodyPr/>
           <a:lstStyle/>
           <a:p>
-            <a:fld id="{2C3D02B5-99F3-49F4-B466-8FFF4A3A7F4C}" type="datetimeFigureOut">
+            <a:fld id="{8EBBAB8A-1043-46CF-B0DB-87BE03868F5F}" type="datetimeFigureOut">
               <a:rPr lang="zh-CN" altLang="en-US" smtClean="0"/>
               <a:t>2024/3/10</a:t>
             </a:fld>
@@ -265,7 +265,7 @@
           <p:cNvPr id="5" name="页脚占位符 4">
             <a:extLst>
               <a:ext uri="{FF2B5EF4-FFF2-40B4-BE49-F238E27FC236}">
-                <a16:creationId xmlns:a16="http://schemas.microsoft.com/office/drawing/2014/main" id="{93F2B0FD-841A-36F2-8F0C-F421C461FEC0}"/>
+                <a16:creationId xmlns:a16="http://schemas.microsoft.com/office/drawing/2014/main" id="{3C17CF21-40A6-3399-C80F-D942681C3B91}"/>
               </a:ext>
             </a:extLst>
           </p:cNvPr>
@@ -290,7 +290,7 @@
           <p:cNvPr id="6" name="灯片编号占位符 5">
             <a:extLst>
               <a:ext uri="{FF2B5EF4-FFF2-40B4-BE49-F238E27FC236}">
-                <a16:creationId xmlns:a16="http://schemas.microsoft.com/office/drawing/2014/main" id="{AC4C8082-9EEE-05EE-6D7E-0AFB4A7BF3B4}"/>
+                <a16:creationId xmlns:a16="http://schemas.microsoft.com/office/drawing/2014/main" id="{3269C6E7-F41F-D55C-1018-A3B2934E2FBC}"/>
               </a:ext>
             </a:extLst>
           </p:cNvPr>
@@ -306,7 +306,7 @@
           <a:bodyPr/>
           <a:lstStyle/>
           <a:p>
-            <a:fld id="{BEE0B715-9AF8-4539-9754-FAEE19351227}" type="slidenum">
+            <a:fld id="{5186EB5D-3061-4AAD-BE0C-1ADDE53A9917}" type="slidenum">
               <a:rPr lang="zh-CN" altLang="en-US" smtClean="0"/>
               <a:t>‹#›</a:t>
             </a:fld>
@@ -317,7 +317,7 @@
     </p:spTree>
     <p:extLst>
       <p:ext uri="{BB962C8B-B14F-4D97-AF65-F5344CB8AC3E}">
-        <p14:creationId xmlns:p14="http://schemas.microsoft.com/office/powerpoint/2010/main" val="1084622971"/>
+        <p14:creationId xmlns:p14="http://schemas.microsoft.com/office/powerpoint/2010/main" val="1189521868"/>
       </p:ext>
     </p:extLst>
   </p:cSld>
@@ -349,7 +349,7 @@
           <p:cNvPr id="2" name="标题 1">
             <a:extLst>
               <a:ext uri="{FF2B5EF4-FFF2-40B4-BE49-F238E27FC236}">
-                <a16:creationId xmlns:a16="http://schemas.microsoft.com/office/drawing/2014/main" id="{CA1D540B-CB06-61D5-F414-4EADDEED9095}"/>
+                <a16:creationId xmlns:a16="http://schemas.microsoft.com/office/drawing/2014/main" id="{F72C5541-1E0E-1C03-B558-8631A6A618C6}"/>
               </a:ext>
             </a:extLst>
           </p:cNvPr>
@@ -377,7 +377,7 @@
           <p:cNvPr id="3" name="竖排文字占位符 2">
             <a:extLst>
               <a:ext uri="{FF2B5EF4-FFF2-40B4-BE49-F238E27FC236}">
-                <a16:creationId xmlns:a16="http://schemas.microsoft.com/office/drawing/2014/main" id="{CAAD8647-54D8-1504-F365-27809336961E}"/>
+                <a16:creationId xmlns:a16="http://schemas.microsoft.com/office/drawing/2014/main" id="{8348E909-5E67-7E59-BFAA-0BFD208FA5CA}"/>
               </a:ext>
             </a:extLst>
           </p:cNvPr>
@@ -434,7 +434,7 @@
           <p:cNvPr id="4" name="日期占位符 3">
             <a:extLst>
               <a:ext uri="{FF2B5EF4-FFF2-40B4-BE49-F238E27FC236}">
-                <a16:creationId xmlns:a16="http://schemas.microsoft.com/office/drawing/2014/main" id="{C301911D-AB7F-DAAA-A77F-0E25A41F7049}"/>
+                <a16:creationId xmlns:a16="http://schemas.microsoft.com/office/drawing/2014/main" id="{D80BE4C1-7C8F-4D3E-0AA6-ED5C4F103BDF}"/>
               </a:ext>
             </a:extLst>
           </p:cNvPr>
@@ -450,7 +450,7 @@
           <a:bodyPr/>
           <a:lstStyle/>
           <a:p>
-            <a:fld id="{2C3D02B5-99F3-49F4-B466-8FFF4A3A7F4C}" type="datetimeFigureOut">
+            <a:fld id="{8EBBAB8A-1043-46CF-B0DB-87BE03868F5F}" type="datetimeFigureOut">
               <a:rPr lang="zh-CN" altLang="en-US" smtClean="0"/>
               <a:t>2024/3/10</a:t>
             </a:fld>
@@ -463,7 +463,7 @@
           <p:cNvPr id="5" name="页脚占位符 4">
             <a:extLst>
               <a:ext uri="{FF2B5EF4-FFF2-40B4-BE49-F238E27FC236}">
-                <a16:creationId xmlns:a16="http://schemas.microsoft.com/office/drawing/2014/main" id="{EAC591BC-ECD0-F163-8156-8C30A039B619}"/>
+                <a16:creationId xmlns:a16="http://schemas.microsoft.com/office/drawing/2014/main" id="{9AC55D84-D900-59D5-C1FA-ED570DCFD5DE}"/>
               </a:ext>
             </a:extLst>
           </p:cNvPr>
@@ -488,7 +488,7 @@
           <p:cNvPr id="6" name="灯片编号占位符 5">
             <a:extLst>
               <a:ext uri="{FF2B5EF4-FFF2-40B4-BE49-F238E27FC236}">
-                <a16:creationId xmlns:a16="http://schemas.microsoft.com/office/drawing/2014/main" id="{2661C8ED-0FB9-6BFD-C106-09C4448A87A2}"/>
+                <a16:creationId xmlns:a16="http://schemas.microsoft.com/office/drawing/2014/main" id="{C84D5EC5-C828-E7A2-17E6-2C80163606AD}"/>
               </a:ext>
             </a:extLst>
           </p:cNvPr>
@@ -504,7 +504,7 @@
           <a:bodyPr/>
           <a:lstStyle/>
           <a:p>
-            <a:fld id="{BEE0B715-9AF8-4539-9754-FAEE19351227}" type="slidenum">
+            <a:fld id="{5186EB5D-3061-4AAD-BE0C-1ADDE53A9917}" type="slidenum">
               <a:rPr lang="zh-CN" altLang="en-US" smtClean="0"/>
               <a:t>‹#›</a:t>
             </a:fld>
@@ -515,7 +515,7 @@
     </p:spTree>
     <p:extLst>
       <p:ext uri="{BB962C8B-B14F-4D97-AF65-F5344CB8AC3E}">
-        <p14:creationId xmlns:p14="http://schemas.microsoft.com/office/powerpoint/2010/main" val="2550882338"/>
+        <p14:creationId xmlns:p14="http://schemas.microsoft.com/office/powerpoint/2010/main" val="2085795778"/>
       </p:ext>
     </p:extLst>
   </p:cSld>
@@ -547,7 +547,7 @@
           <p:cNvPr id="2" name="竖排标题 1">
             <a:extLst>
               <a:ext uri="{FF2B5EF4-FFF2-40B4-BE49-F238E27FC236}">
-                <a16:creationId xmlns:a16="http://schemas.microsoft.com/office/drawing/2014/main" id="{193576EE-D935-E163-0027-87BEE51E45F1}"/>
+                <a16:creationId xmlns:a16="http://schemas.microsoft.com/office/drawing/2014/main" id="{7890B550-E07D-2615-17BB-B9537E930F3B}"/>
               </a:ext>
             </a:extLst>
           </p:cNvPr>
@@ -580,7 +580,7 @@
           <p:cNvPr id="3" name="竖排文字占位符 2">
             <a:extLst>
               <a:ext uri="{FF2B5EF4-FFF2-40B4-BE49-F238E27FC236}">
-                <a16:creationId xmlns:a16="http://schemas.microsoft.com/office/drawing/2014/main" id="{6E3EB99C-CE90-698C-9835-0C0EA0FFBD60}"/>
+                <a16:creationId xmlns:a16="http://schemas.microsoft.com/office/drawing/2014/main" id="{12DC0C44-EDDF-F133-06DB-B8AE7E0CE2DB}"/>
               </a:ext>
             </a:extLst>
           </p:cNvPr>
@@ -642,7 +642,7 @@
           <p:cNvPr id="4" name="日期占位符 3">
             <a:extLst>
               <a:ext uri="{FF2B5EF4-FFF2-40B4-BE49-F238E27FC236}">
-                <a16:creationId xmlns:a16="http://schemas.microsoft.com/office/drawing/2014/main" id="{0F109044-8E2C-DF3F-A760-D7A179707E61}"/>
+                <a16:creationId xmlns:a16="http://schemas.microsoft.com/office/drawing/2014/main" id="{E2DA4217-3EB9-7CF5-9E97-CCE16582090B}"/>
               </a:ext>
             </a:extLst>
           </p:cNvPr>
@@ -658,7 +658,7 @@
           <a:bodyPr/>
           <a:lstStyle/>
           <a:p>
-            <a:fld id="{2C3D02B5-99F3-49F4-B466-8FFF4A3A7F4C}" type="datetimeFigureOut">
+            <a:fld id="{8EBBAB8A-1043-46CF-B0DB-87BE03868F5F}" type="datetimeFigureOut">
               <a:rPr lang="zh-CN" altLang="en-US" smtClean="0"/>
               <a:t>2024/3/10</a:t>
             </a:fld>
@@ -671,7 +671,7 @@
           <p:cNvPr id="5" name="页脚占位符 4">
             <a:extLst>
               <a:ext uri="{FF2B5EF4-FFF2-40B4-BE49-F238E27FC236}">
-                <a16:creationId xmlns:a16="http://schemas.microsoft.com/office/drawing/2014/main" id="{72B80725-BA5B-66FB-8B79-660F77C7B5D6}"/>
+                <a16:creationId xmlns:a16="http://schemas.microsoft.com/office/drawing/2014/main" id="{7650BB8B-C044-C9D5-FFA7-C76F3CCCD469}"/>
               </a:ext>
             </a:extLst>
           </p:cNvPr>
@@ -696,7 +696,7 @@
           <p:cNvPr id="6" name="灯片编号占位符 5">
             <a:extLst>
               <a:ext uri="{FF2B5EF4-FFF2-40B4-BE49-F238E27FC236}">
-                <a16:creationId xmlns:a16="http://schemas.microsoft.com/office/drawing/2014/main" id="{D91397A8-2D92-9657-375C-E3135D43D19B}"/>
+                <a16:creationId xmlns:a16="http://schemas.microsoft.com/office/drawing/2014/main" id="{1964DFF7-BDDA-2FBE-AEF3-DDBBF4B15DA0}"/>
               </a:ext>
             </a:extLst>
           </p:cNvPr>
@@ -712,7 +712,7 @@
           <a:bodyPr/>
           <a:lstStyle/>
           <a:p>
-            <a:fld id="{BEE0B715-9AF8-4539-9754-FAEE19351227}" type="slidenum">
+            <a:fld id="{5186EB5D-3061-4AAD-BE0C-1ADDE53A9917}" type="slidenum">
               <a:rPr lang="zh-CN" altLang="en-US" smtClean="0"/>
               <a:t>‹#›</a:t>
             </a:fld>
@@ -723,7 +723,7 @@
     </p:spTree>
     <p:extLst>
       <p:ext uri="{BB962C8B-B14F-4D97-AF65-F5344CB8AC3E}">
-        <p14:creationId xmlns:p14="http://schemas.microsoft.com/office/powerpoint/2010/main" val="3033746174"/>
+        <p14:creationId xmlns:p14="http://schemas.microsoft.com/office/powerpoint/2010/main" val="788695816"/>
       </p:ext>
     </p:extLst>
   </p:cSld>
@@ -755,7 +755,7 @@
           <p:cNvPr id="2" name="标题 1">
             <a:extLst>
               <a:ext uri="{FF2B5EF4-FFF2-40B4-BE49-F238E27FC236}">
-                <a16:creationId xmlns:a16="http://schemas.microsoft.com/office/drawing/2014/main" id="{DED15CC9-ABAF-67D1-ABBD-0ACE6CFE70E8}"/>
+                <a16:creationId xmlns:a16="http://schemas.microsoft.com/office/drawing/2014/main" id="{6805ACA3-CB7F-0D84-D769-8C6553A83D51}"/>
               </a:ext>
             </a:extLst>
           </p:cNvPr>
@@ -783,7 +783,7 @@
           <p:cNvPr id="3" name="内容占位符 2">
             <a:extLst>
               <a:ext uri="{FF2B5EF4-FFF2-40B4-BE49-F238E27FC236}">
-                <a16:creationId xmlns:a16="http://schemas.microsoft.com/office/drawing/2014/main" id="{1B2430BB-0195-4B7A-7892-0C42CCA43775}"/>
+                <a16:creationId xmlns:a16="http://schemas.microsoft.com/office/drawing/2014/main" id="{83FE49B6-53E9-FB13-ADE3-B0D4BF4C0A57}"/>
               </a:ext>
             </a:extLst>
           </p:cNvPr>
@@ -840,7 +840,7 @@
           <p:cNvPr id="4" name="日期占位符 3">
             <a:extLst>
               <a:ext uri="{FF2B5EF4-FFF2-40B4-BE49-F238E27FC236}">
-                <a16:creationId xmlns:a16="http://schemas.microsoft.com/office/drawing/2014/main" id="{E0A304FE-B8F3-F69A-9AF6-6FB81BBAD999}"/>
+                <a16:creationId xmlns:a16="http://schemas.microsoft.com/office/drawing/2014/main" id="{9FC234C8-974E-107D-EE08-291AC185FFAA}"/>
               </a:ext>
             </a:extLst>
           </p:cNvPr>
@@ -856,7 +856,7 @@
           <a:bodyPr/>
           <a:lstStyle/>
           <a:p>
-            <a:fld id="{2C3D02B5-99F3-49F4-B466-8FFF4A3A7F4C}" type="datetimeFigureOut">
+            <a:fld id="{8EBBAB8A-1043-46CF-B0DB-87BE03868F5F}" type="datetimeFigureOut">
               <a:rPr lang="zh-CN" altLang="en-US" smtClean="0"/>
               <a:t>2024/3/10</a:t>
             </a:fld>
@@ -869,7 +869,7 @@
           <p:cNvPr id="5" name="页脚占位符 4">
             <a:extLst>
               <a:ext uri="{FF2B5EF4-FFF2-40B4-BE49-F238E27FC236}">
-                <a16:creationId xmlns:a16="http://schemas.microsoft.com/office/drawing/2014/main" id="{FF23AE73-25A5-F27D-1C55-F9C34C83A098}"/>
+                <a16:creationId xmlns:a16="http://schemas.microsoft.com/office/drawing/2014/main" id="{18443461-74F7-67E0-5B1D-AEFE0EE7665A}"/>
               </a:ext>
             </a:extLst>
           </p:cNvPr>
@@ -894,7 +894,7 @@
           <p:cNvPr id="6" name="灯片编号占位符 5">
             <a:extLst>
               <a:ext uri="{FF2B5EF4-FFF2-40B4-BE49-F238E27FC236}">
-                <a16:creationId xmlns:a16="http://schemas.microsoft.com/office/drawing/2014/main" id="{1CE1EDBE-F26E-F8BE-941B-339708B98424}"/>
+                <a16:creationId xmlns:a16="http://schemas.microsoft.com/office/drawing/2014/main" id="{533F1DCD-4FA8-5EC1-3E7D-E54D2D62656B}"/>
               </a:ext>
             </a:extLst>
           </p:cNvPr>
@@ -910,7 +910,7 @@
           <a:bodyPr/>
           <a:lstStyle/>
           <a:p>
-            <a:fld id="{BEE0B715-9AF8-4539-9754-FAEE19351227}" type="slidenum">
+            <a:fld id="{5186EB5D-3061-4AAD-BE0C-1ADDE53A9917}" type="slidenum">
               <a:rPr lang="zh-CN" altLang="en-US" smtClean="0"/>
               <a:t>‹#›</a:t>
             </a:fld>
@@ -921,7 +921,7 @@
     </p:spTree>
     <p:extLst>
       <p:ext uri="{BB962C8B-B14F-4D97-AF65-F5344CB8AC3E}">
-        <p14:creationId xmlns:p14="http://schemas.microsoft.com/office/powerpoint/2010/main" val="1988286276"/>
+        <p14:creationId xmlns:p14="http://schemas.microsoft.com/office/powerpoint/2010/main" val="1321130300"/>
       </p:ext>
     </p:extLst>
   </p:cSld>
@@ -953,7 +953,7 @@
           <p:cNvPr id="2" name="标题 1">
             <a:extLst>
               <a:ext uri="{FF2B5EF4-FFF2-40B4-BE49-F238E27FC236}">
-                <a16:creationId xmlns:a16="http://schemas.microsoft.com/office/drawing/2014/main" id="{951EA631-4C5C-9961-45DB-2FF5C38E6940}"/>
+                <a16:creationId xmlns:a16="http://schemas.microsoft.com/office/drawing/2014/main" id="{99A4B8C6-9AE0-295D-E361-A5CA0D0C4E6B}"/>
               </a:ext>
             </a:extLst>
           </p:cNvPr>
@@ -990,7 +990,7 @@
           <p:cNvPr id="3" name="文本占位符 2">
             <a:extLst>
               <a:ext uri="{FF2B5EF4-FFF2-40B4-BE49-F238E27FC236}">
-                <a16:creationId xmlns:a16="http://schemas.microsoft.com/office/drawing/2014/main" id="{6FC4736F-9E49-2340-B455-E186E8D2E3D5}"/>
+                <a16:creationId xmlns:a16="http://schemas.microsoft.com/office/drawing/2014/main" id="{DB19E554-F94A-0185-95AE-479FAB1DFD1C}"/>
               </a:ext>
             </a:extLst>
           </p:cNvPr>
@@ -1115,7 +1115,7 @@
           <p:cNvPr id="4" name="日期占位符 3">
             <a:extLst>
               <a:ext uri="{FF2B5EF4-FFF2-40B4-BE49-F238E27FC236}">
-                <a16:creationId xmlns:a16="http://schemas.microsoft.com/office/drawing/2014/main" id="{24B42425-BA8F-4295-D38C-3F8582356054}"/>
+                <a16:creationId xmlns:a16="http://schemas.microsoft.com/office/drawing/2014/main" id="{0339E25E-C76C-445F-1B6B-A5205801038E}"/>
               </a:ext>
             </a:extLst>
           </p:cNvPr>
@@ -1131,7 +1131,7 @@
           <a:bodyPr/>
           <a:lstStyle/>
           <a:p>
-            <a:fld id="{2C3D02B5-99F3-49F4-B466-8FFF4A3A7F4C}" type="datetimeFigureOut">
+            <a:fld id="{8EBBAB8A-1043-46CF-B0DB-87BE03868F5F}" type="datetimeFigureOut">
               <a:rPr lang="zh-CN" altLang="en-US" smtClean="0"/>
               <a:t>2024/3/10</a:t>
             </a:fld>
@@ -1144,7 +1144,7 @@
           <p:cNvPr id="5" name="页脚占位符 4">
             <a:extLst>
               <a:ext uri="{FF2B5EF4-FFF2-40B4-BE49-F238E27FC236}">
-                <a16:creationId xmlns:a16="http://schemas.microsoft.com/office/drawing/2014/main" id="{EB53CB32-BD96-72DE-E6A1-21C607BF4379}"/>
+                <a16:creationId xmlns:a16="http://schemas.microsoft.com/office/drawing/2014/main" id="{0FC83B39-D6CC-0CA6-70B2-FA2F0C4551D9}"/>
               </a:ext>
             </a:extLst>
           </p:cNvPr>
@@ -1169,7 +1169,7 @@
           <p:cNvPr id="6" name="灯片编号占位符 5">
             <a:extLst>
               <a:ext uri="{FF2B5EF4-FFF2-40B4-BE49-F238E27FC236}">
-                <a16:creationId xmlns:a16="http://schemas.microsoft.com/office/drawing/2014/main" id="{6658B6A3-D899-0E40-C0D0-975AF29BFC20}"/>
+                <a16:creationId xmlns:a16="http://schemas.microsoft.com/office/drawing/2014/main" id="{5AB030C2-76A2-F7C8-9C3C-02419F0888AE}"/>
               </a:ext>
             </a:extLst>
           </p:cNvPr>
@@ -1185,7 +1185,7 @@
           <a:bodyPr/>
           <a:lstStyle/>
           <a:p>
-            <a:fld id="{BEE0B715-9AF8-4539-9754-FAEE19351227}" type="slidenum">
+            <a:fld id="{5186EB5D-3061-4AAD-BE0C-1ADDE53A9917}" type="slidenum">
               <a:rPr lang="zh-CN" altLang="en-US" smtClean="0"/>
               <a:t>‹#›</a:t>
             </a:fld>
@@ -1196,7 +1196,7 @@
     </p:spTree>
     <p:extLst>
       <p:ext uri="{BB962C8B-B14F-4D97-AF65-F5344CB8AC3E}">
-        <p14:creationId xmlns:p14="http://schemas.microsoft.com/office/powerpoint/2010/main" val="1660283315"/>
+        <p14:creationId xmlns:p14="http://schemas.microsoft.com/office/powerpoint/2010/main" val="83147275"/>
       </p:ext>
     </p:extLst>
   </p:cSld>
@@ -1228,7 +1228,7 @@
           <p:cNvPr id="2" name="标题 1">
             <a:extLst>
               <a:ext uri="{FF2B5EF4-FFF2-40B4-BE49-F238E27FC236}">
-                <a16:creationId xmlns:a16="http://schemas.microsoft.com/office/drawing/2014/main" id="{7944CB42-5E88-CF21-1424-CC509F7D8BBD}"/>
+                <a16:creationId xmlns:a16="http://schemas.microsoft.com/office/drawing/2014/main" id="{78C78917-9E0B-F67F-9262-E31E0D43C5A9}"/>
               </a:ext>
             </a:extLst>
           </p:cNvPr>
@@ -1256,7 +1256,7 @@
           <p:cNvPr id="3" name="内容占位符 2">
             <a:extLst>
               <a:ext uri="{FF2B5EF4-FFF2-40B4-BE49-F238E27FC236}">
-                <a16:creationId xmlns:a16="http://schemas.microsoft.com/office/drawing/2014/main" id="{185E3899-8419-D4DC-528E-802A456F3BF4}"/>
+                <a16:creationId xmlns:a16="http://schemas.microsoft.com/office/drawing/2014/main" id="{36EF51EC-0333-B5EA-63D1-20A34C8F5B07}"/>
               </a:ext>
             </a:extLst>
           </p:cNvPr>
@@ -1318,7 +1318,7 @@
           <p:cNvPr id="4" name="内容占位符 3">
             <a:extLst>
               <a:ext uri="{FF2B5EF4-FFF2-40B4-BE49-F238E27FC236}">
-                <a16:creationId xmlns:a16="http://schemas.microsoft.com/office/drawing/2014/main" id="{2449CF38-5314-EF4F-3F86-01C2428D9F21}"/>
+                <a16:creationId xmlns:a16="http://schemas.microsoft.com/office/drawing/2014/main" id="{56FE3A63-CDF2-DAB8-F16F-084DD4A3BD3C}"/>
               </a:ext>
             </a:extLst>
           </p:cNvPr>
@@ -1380,7 +1380,7 @@
           <p:cNvPr id="5" name="日期占位符 4">
             <a:extLst>
               <a:ext uri="{FF2B5EF4-FFF2-40B4-BE49-F238E27FC236}">
-                <a16:creationId xmlns:a16="http://schemas.microsoft.com/office/drawing/2014/main" id="{58EED4F5-8AE5-36BC-0FD0-FDF1588E6CE7}"/>
+                <a16:creationId xmlns:a16="http://schemas.microsoft.com/office/drawing/2014/main" id="{E1781BAA-8DD7-777B-6FE1-0FADF0D71B0B}"/>
               </a:ext>
             </a:extLst>
           </p:cNvPr>
@@ -1396,7 +1396,7 @@
           <a:bodyPr/>
           <a:lstStyle/>
           <a:p>
-            <a:fld id="{2C3D02B5-99F3-49F4-B466-8FFF4A3A7F4C}" type="datetimeFigureOut">
+            <a:fld id="{8EBBAB8A-1043-46CF-B0DB-87BE03868F5F}" type="datetimeFigureOut">
               <a:rPr lang="zh-CN" altLang="en-US" smtClean="0"/>
               <a:t>2024/3/10</a:t>
             </a:fld>
@@ -1409,7 +1409,7 @@
           <p:cNvPr id="6" name="页脚占位符 5">
             <a:extLst>
               <a:ext uri="{FF2B5EF4-FFF2-40B4-BE49-F238E27FC236}">
-                <a16:creationId xmlns:a16="http://schemas.microsoft.com/office/drawing/2014/main" id="{4AD33ED1-FB48-2887-E656-8A5DD5CE58B6}"/>
+                <a16:creationId xmlns:a16="http://schemas.microsoft.com/office/drawing/2014/main" id="{E0E42984-1FB2-5E5F-404D-5D5AF056A8ED}"/>
               </a:ext>
             </a:extLst>
           </p:cNvPr>
@@ -1434,7 +1434,7 @@
           <p:cNvPr id="7" name="灯片编号占位符 6">
             <a:extLst>
               <a:ext uri="{FF2B5EF4-FFF2-40B4-BE49-F238E27FC236}">
-                <a16:creationId xmlns:a16="http://schemas.microsoft.com/office/drawing/2014/main" id="{870C3AAC-B33D-E3D5-7BF9-FD12750E6559}"/>
+                <a16:creationId xmlns:a16="http://schemas.microsoft.com/office/drawing/2014/main" id="{230A7D24-EB2B-41F4-6CAA-2711AFD23B08}"/>
               </a:ext>
             </a:extLst>
           </p:cNvPr>
@@ -1450,7 +1450,7 @@
           <a:bodyPr/>
           <a:lstStyle/>
           <a:p>
-            <a:fld id="{BEE0B715-9AF8-4539-9754-FAEE19351227}" type="slidenum">
+            <a:fld id="{5186EB5D-3061-4AAD-BE0C-1ADDE53A9917}" type="slidenum">
               <a:rPr lang="zh-CN" altLang="en-US" smtClean="0"/>
               <a:t>‹#›</a:t>
             </a:fld>
@@ -1461,7 +1461,7 @@
     </p:spTree>
     <p:extLst>
       <p:ext uri="{BB962C8B-B14F-4D97-AF65-F5344CB8AC3E}">
-        <p14:creationId xmlns:p14="http://schemas.microsoft.com/office/powerpoint/2010/main" val="2327881857"/>
+        <p14:creationId xmlns:p14="http://schemas.microsoft.com/office/powerpoint/2010/main" val="2585331216"/>
       </p:ext>
     </p:extLst>
   </p:cSld>
@@ -1493,7 +1493,7 @@
           <p:cNvPr id="2" name="标题 1">
             <a:extLst>
               <a:ext uri="{FF2B5EF4-FFF2-40B4-BE49-F238E27FC236}">
-                <a16:creationId xmlns:a16="http://schemas.microsoft.com/office/drawing/2014/main" id="{020120B9-3FEE-29A6-0A11-887B7CF9D831}"/>
+                <a16:creationId xmlns:a16="http://schemas.microsoft.com/office/drawing/2014/main" id="{6A1FBE47-F38F-B687-D129-9410910495E5}"/>
               </a:ext>
             </a:extLst>
           </p:cNvPr>
@@ -1526,7 +1526,7 @@
           <p:cNvPr id="3" name="文本占位符 2">
             <a:extLst>
               <a:ext uri="{FF2B5EF4-FFF2-40B4-BE49-F238E27FC236}">
-                <a16:creationId xmlns:a16="http://schemas.microsoft.com/office/drawing/2014/main" id="{84A64A4D-EA11-7F73-F660-5A3FA52E4A13}"/>
+                <a16:creationId xmlns:a16="http://schemas.microsoft.com/office/drawing/2014/main" id="{D2B6B436-C6A5-1FA5-4293-2F7CA27435FA}"/>
               </a:ext>
             </a:extLst>
           </p:cNvPr>
@@ -1597,7 +1597,7 @@
           <p:cNvPr id="4" name="内容占位符 3">
             <a:extLst>
               <a:ext uri="{FF2B5EF4-FFF2-40B4-BE49-F238E27FC236}">
-                <a16:creationId xmlns:a16="http://schemas.microsoft.com/office/drawing/2014/main" id="{F800FFBF-7F53-00C3-E1E3-8881BBE5DCA3}"/>
+                <a16:creationId xmlns:a16="http://schemas.microsoft.com/office/drawing/2014/main" id="{366AB0B3-D074-64AB-5DA8-5027B5652EFA}"/>
               </a:ext>
             </a:extLst>
           </p:cNvPr>
@@ -1659,7 +1659,7 @@
           <p:cNvPr id="5" name="文本占位符 4">
             <a:extLst>
               <a:ext uri="{FF2B5EF4-FFF2-40B4-BE49-F238E27FC236}">
-                <a16:creationId xmlns:a16="http://schemas.microsoft.com/office/drawing/2014/main" id="{EA9BFE33-0B1F-E5D6-FEA3-4C66BCA5EAFF}"/>
+                <a16:creationId xmlns:a16="http://schemas.microsoft.com/office/drawing/2014/main" id="{27E9AA62-CF9E-FE61-44C0-40792CBFD735}"/>
               </a:ext>
             </a:extLst>
           </p:cNvPr>
@@ -1730,7 +1730,7 @@
           <p:cNvPr id="6" name="内容占位符 5">
             <a:extLst>
               <a:ext uri="{FF2B5EF4-FFF2-40B4-BE49-F238E27FC236}">
-                <a16:creationId xmlns:a16="http://schemas.microsoft.com/office/drawing/2014/main" id="{EEC15525-6E2F-EDBF-F06A-273F04C6773C}"/>
+                <a16:creationId xmlns:a16="http://schemas.microsoft.com/office/drawing/2014/main" id="{F650B7CF-3777-7DA5-699A-D057CD254D77}"/>
               </a:ext>
             </a:extLst>
           </p:cNvPr>
@@ -1792,7 +1792,7 @@
           <p:cNvPr id="7" name="日期占位符 6">
             <a:extLst>
               <a:ext uri="{FF2B5EF4-FFF2-40B4-BE49-F238E27FC236}">
-                <a16:creationId xmlns:a16="http://schemas.microsoft.com/office/drawing/2014/main" id="{F07668C8-21A4-28B8-D762-71AC8B20D36A}"/>
+                <a16:creationId xmlns:a16="http://schemas.microsoft.com/office/drawing/2014/main" id="{CAFEAA5E-F05B-FE19-AC1A-C5640F1B2837}"/>
               </a:ext>
             </a:extLst>
           </p:cNvPr>
@@ -1808,7 +1808,7 @@
           <a:bodyPr/>
           <a:lstStyle/>
           <a:p>
-            <a:fld id="{2C3D02B5-99F3-49F4-B466-8FFF4A3A7F4C}" type="datetimeFigureOut">
+            <a:fld id="{8EBBAB8A-1043-46CF-B0DB-87BE03868F5F}" type="datetimeFigureOut">
               <a:rPr lang="zh-CN" altLang="en-US" smtClean="0"/>
               <a:t>2024/3/10</a:t>
             </a:fld>
@@ -1821,7 +1821,7 @@
           <p:cNvPr id="8" name="页脚占位符 7">
             <a:extLst>
               <a:ext uri="{FF2B5EF4-FFF2-40B4-BE49-F238E27FC236}">
-                <a16:creationId xmlns:a16="http://schemas.microsoft.com/office/drawing/2014/main" id="{5EC1B9F3-1281-BE30-E84B-9227AFEE9A6F}"/>
+                <a16:creationId xmlns:a16="http://schemas.microsoft.com/office/drawing/2014/main" id="{0E945A20-F82B-1289-021C-C43471D4E200}"/>
               </a:ext>
             </a:extLst>
           </p:cNvPr>
@@ -1846,7 +1846,7 @@
           <p:cNvPr id="9" name="灯片编号占位符 8">
             <a:extLst>
               <a:ext uri="{FF2B5EF4-FFF2-40B4-BE49-F238E27FC236}">
-                <a16:creationId xmlns:a16="http://schemas.microsoft.com/office/drawing/2014/main" id="{6FC6B263-C416-DA31-7905-22DE2150EEB0}"/>
+                <a16:creationId xmlns:a16="http://schemas.microsoft.com/office/drawing/2014/main" id="{51B53A70-B088-C1A5-25A6-CC4B2DD39E61}"/>
               </a:ext>
             </a:extLst>
           </p:cNvPr>
@@ -1862,7 +1862,7 @@
           <a:bodyPr/>
           <a:lstStyle/>
           <a:p>
-            <a:fld id="{BEE0B715-9AF8-4539-9754-FAEE19351227}" type="slidenum">
+            <a:fld id="{5186EB5D-3061-4AAD-BE0C-1ADDE53A9917}" type="slidenum">
               <a:rPr lang="zh-CN" altLang="en-US" smtClean="0"/>
               <a:t>‹#›</a:t>
             </a:fld>
@@ -1873,7 +1873,7 @@
     </p:spTree>
     <p:extLst>
       <p:ext uri="{BB962C8B-B14F-4D97-AF65-F5344CB8AC3E}">
-        <p14:creationId xmlns:p14="http://schemas.microsoft.com/office/powerpoint/2010/main" val="4293664810"/>
+        <p14:creationId xmlns:p14="http://schemas.microsoft.com/office/powerpoint/2010/main" val="3771651899"/>
       </p:ext>
     </p:extLst>
   </p:cSld>
@@ -1905,7 +1905,7 @@
           <p:cNvPr id="2" name="标题 1">
             <a:extLst>
               <a:ext uri="{FF2B5EF4-FFF2-40B4-BE49-F238E27FC236}">
-                <a16:creationId xmlns:a16="http://schemas.microsoft.com/office/drawing/2014/main" id="{E5D3C865-DD82-06D9-489E-351F3ED348D5}"/>
+                <a16:creationId xmlns:a16="http://schemas.microsoft.com/office/drawing/2014/main" id="{3B3F7FBA-2F2B-090C-1056-C6C9D880D0B5}"/>
               </a:ext>
             </a:extLst>
           </p:cNvPr>
@@ -1933,7 +1933,7 @@
           <p:cNvPr id="3" name="日期占位符 2">
             <a:extLst>
               <a:ext uri="{FF2B5EF4-FFF2-40B4-BE49-F238E27FC236}">
-                <a16:creationId xmlns:a16="http://schemas.microsoft.com/office/drawing/2014/main" id="{C8607381-5BC1-1E7C-52E6-9873476BC23C}"/>
+                <a16:creationId xmlns:a16="http://schemas.microsoft.com/office/drawing/2014/main" id="{CD8C1F50-A029-BAF5-A41A-ED6AAD0BF26F}"/>
               </a:ext>
             </a:extLst>
           </p:cNvPr>
@@ -1949,7 +1949,7 @@
           <a:bodyPr/>
           <a:lstStyle/>
           <a:p>
-            <a:fld id="{2C3D02B5-99F3-49F4-B466-8FFF4A3A7F4C}" type="datetimeFigureOut">
+            <a:fld id="{8EBBAB8A-1043-46CF-B0DB-87BE03868F5F}" type="datetimeFigureOut">
               <a:rPr lang="zh-CN" altLang="en-US" smtClean="0"/>
               <a:t>2024/3/10</a:t>
             </a:fld>
@@ -1962,7 +1962,7 @@
           <p:cNvPr id="4" name="页脚占位符 3">
             <a:extLst>
               <a:ext uri="{FF2B5EF4-FFF2-40B4-BE49-F238E27FC236}">
-                <a16:creationId xmlns:a16="http://schemas.microsoft.com/office/drawing/2014/main" id="{9129DFEE-534A-81F7-437B-FD4C36BB808E}"/>
+                <a16:creationId xmlns:a16="http://schemas.microsoft.com/office/drawing/2014/main" id="{C118CD75-D1EE-79C8-75FA-4BEB6E4330AF}"/>
               </a:ext>
             </a:extLst>
           </p:cNvPr>
@@ -1987,7 +1987,7 @@
           <p:cNvPr id="5" name="灯片编号占位符 4">
             <a:extLst>
               <a:ext uri="{FF2B5EF4-FFF2-40B4-BE49-F238E27FC236}">
-                <a16:creationId xmlns:a16="http://schemas.microsoft.com/office/drawing/2014/main" id="{4CCB7FA3-24F7-F732-D1D8-7BA5E23843AC}"/>
+                <a16:creationId xmlns:a16="http://schemas.microsoft.com/office/drawing/2014/main" id="{22C45F97-0B91-4EAD-9BC4-74FF26EF6253}"/>
               </a:ext>
             </a:extLst>
           </p:cNvPr>
@@ -2003,7 +2003,7 @@
           <a:bodyPr/>
           <a:lstStyle/>
           <a:p>
-            <a:fld id="{BEE0B715-9AF8-4539-9754-FAEE19351227}" type="slidenum">
+            <a:fld id="{5186EB5D-3061-4AAD-BE0C-1ADDE53A9917}" type="slidenum">
               <a:rPr lang="zh-CN" altLang="en-US" smtClean="0"/>
               <a:t>‹#›</a:t>
             </a:fld>
@@ -2014,7 +2014,7 @@
     </p:spTree>
     <p:extLst>
       <p:ext uri="{BB962C8B-B14F-4D97-AF65-F5344CB8AC3E}">
-        <p14:creationId xmlns:p14="http://schemas.microsoft.com/office/powerpoint/2010/main" val="2272050331"/>
+        <p14:creationId xmlns:p14="http://schemas.microsoft.com/office/powerpoint/2010/main" val="932057276"/>
       </p:ext>
     </p:extLst>
   </p:cSld>
@@ -2046,7 +2046,7 @@
           <p:cNvPr id="2" name="日期占位符 1">
             <a:extLst>
               <a:ext uri="{FF2B5EF4-FFF2-40B4-BE49-F238E27FC236}">
-                <a16:creationId xmlns:a16="http://schemas.microsoft.com/office/drawing/2014/main" id="{9E334F9B-50E5-26DB-DB0A-D72ACA6BC2D5}"/>
+                <a16:creationId xmlns:a16="http://schemas.microsoft.com/office/drawing/2014/main" id="{F00216B3-EA58-90D4-B332-9314A6AAED6F}"/>
               </a:ext>
             </a:extLst>
           </p:cNvPr>
@@ -2062,7 +2062,7 @@
           <a:bodyPr/>
           <a:lstStyle/>
           <a:p>
-            <a:fld id="{2C3D02B5-99F3-49F4-B466-8FFF4A3A7F4C}" type="datetimeFigureOut">
+            <a:fld id="{8EBBAB8A-1043-46CF-B0DB-87BE03868F5F}" type="datetimeFigureOut">
               <a:rPr lang="zh-CN" altLang="en-US" smtClean="0"/>
               <a:t>2024/3/10</a:t>
             </a:fld>
@@ -2075,7 +2075,7 @@
           <p:cNvPr id="3" name="页脚占位符 2">
             <a:extLst>
               <a:ext uri="{FF2B5EF4-FFF2-40B4-BE49-F238E27FC236}">
-                <a16:creationId xmlns:a16="http://schemas.microsoft.com/office/drawing/2014/main" id="{3A899013-D1F1-4D77-D490-AAE5798B0305}"/>
+                <a16:creationId xmlns:a16="http://schemas.microsoft.com/office/drawing/2014/main" id="{006D255C-5307-A33D-1589-EFCD44226235}"/>
               </a:ext>
             </a:extLst>
           </p:cNvPr>
@@ -2100,7 +2100,7 @@
           <p:cNvPr id="4" name="灯片编号占位符 3">
             <a:extLst>
               <a:ext uri="{FF2B5EF4-FFF2-40B4-BE49-F238E27FC236}">
-                <a16:creationId xmlns:a16="http://schemas.microsoft.com/office/drawing/2014/main" id="{77651686-1BD3-9EE3-5749-EA5C20FB2115}"/>
+                <a16:creationId xmlns:a16="http://schemas.microsoft.com/office/drawing/2014/main" id="{2B1FFDF1-F159-5204-5F88-D63E001C03BC}"/>
               </a:ext>
             </a:extLst>
           </p:cNvPr>
@@ -2116,7 +2116,7 @@
           <a:bodyPr/>
           <a:lstStyle/>
           <a:p>
-            <a:fld id="{BEE0B715-9AF8-4539-9754-FAEE19351227}" type="slidenum">
+            <a:fld id="{5186EB5D-3061-4AAD-BE0C-1ADDE53A9917}" type="slidenum">
               <a:rPr lang="zh-CN" altLang="en-US" smtClean="0"/>
               <a:t>‹#›</a:t>
             </a:fld>
@@ -2127,7 +2127,7 @@
     </p:spTree>
     <p:extLst>
       <p:ext uri="{BB962C8B-B14F-4D97-AF65-F5344CB8AC3E}">
-        <p14:creationId xmlns:p14="http://schemas.microsoft.com/office/powerpoint/2010/main" val="706966786"/>
+        <p14:creationId xmlns:p14="http://schemas.microsoft.com/office/powerpoint/2010/main" val="1760171957"/>
       </p:ext>
     </p:extLst>
   </p:cSld>
@@ -2159,7 +2159,7 @@
           <p:cNvPr id="2" name="标题 1">
             <a:extLst>
               <a:ext uri="{FF2B5EF4-FFF2-40B4-BE49-F238E27FC236}">
-                <a16:creationId xmlns:a16="http://schemas.microsoft.com/office/drawing/2014/main" id="{C8886392-D665-CE35-080B-53F6722459AC}"/>
+                <a16:creationId xmlns:a16="http://schemas.microsoft.com/office/drawing/2014/main" id="{A650D416-4CE6-41DA-CDFF-CE90551D0A54}"/>
               </a:ext>
             </a:extLst>
           </p:cNvPr>
@@ -2196,7 +2196,7 @@
           <p:cNvPr id="3" name="内容占位符 2">
             <a:extLst>
               <a:ext uri="{FF2B5EF4-FFF2-40B4-BE49-F238E27FC236}">
-                <a16:creationId xmlns:a16="http://schemas.microsoft.com/office/drawing/2014/main" id="{808EC29A-1FF5-E11D-C434-E3EDCB396DF6}"/>
+                <a16:creationId xmlns:a16="http://schemas.microsoft.com/office/drawing/2014/main" id="{EA798F43-0CA9-1657-0AA2-60C769ED86E5}"/>
               </a:ext>
             </a:extLst>
           </p:cNvPr>
@@ -2286,7 +2286,7 @@
           <p:cNvPr id="4" name="文本占位符 3">
             <a:extLst>
               <a:ext uri="{FF2B5EF4-FFF2-40B4-BE49-F238E27FC236}">
-                <a16:creationId xmlns:a16="http://schemas.microsoft.com/office/drawing/2014/main" id="{F2B3C7C0-3FD8-E9B3-BB9D-3E08138CE727}"/>
+                <a16:creationId xmlns:a16="http://schemas.microsoft.com/office/drawing/2014/main" id="{E77F7DF4-DBAD-1BE3-A3AC-17B3CC997F22}"/>
               </a:ext>
             </a:extLst>
           </p:cNvPr>
@@ -2357,7 +2357,7 @@
           <p:cNvPr id="5" name="日期占位符 4">
             <a:extLst>
               <a:ext uri="{FF2B5EF4-FFF2-40B4-BE49-F238E27FC236}">
-                <a16:creationId xmlns:a16="http://schemas.microsoft.com/office/drawing/2014/main" id="{4DE51B23-32A3-D84B-7C2B-35A74A6762B7}"/>
+                <a16:creationId xmlns:a16="http://schemas.microsoft.com/office/drawing/2014/main" id="{ED5B319D-847D-07F1-3030-DA23562811C4}"/>
               </a:ext>
             </a:extLst>
           </p:cNvPr>
@@ -2373,7 +2373,7 @@
           <a:bodyPr/>
           <a:lstStyle/>
           <a:p>
-            <a:fld id="{2C3D02B5-99F3-49F4-B466-8FFF4A3A7F4C}" type="datetimeFigureOut">
+            <a:fld id="{8EBBAB8A-1043-46CF-B0DB-87BE03868F5F}" type="datetimeFigureOut">
               <a:rPr lang="zh-CN" altLang="en-US" smtClean="0"/>
               <a:t>2024/3/10</a:t>
             </a:fld>
@@ -2386,7 +2386,7 @@
           <p:cNvPr id="6" name="页脚占位符 5">
             <a:extLst>
               <a:ext uri="{FF2B5EF4-FFF2-40B4-BE49-F238E27FC236}">
-                <a16:creationId xmlns:a16="http://schemas.microsoft.com/office/drawing/2014/main" id="{74E1306B-5E1C-93B2-9686-2D9502E24B9D}"/>
+                <a16:creationId xmlns:a16="http://schemas.microsoft.com/office/drawing/2014/main" id="{CD737E9B-8DFA-FFBB-B2C6-8DFC5631747A}"/>
               </a:ext>
             </a:extLst>
           </p:cNvPr>
@@ -2411,7 +2411,7 @@
           <p:cNvPr id="7" name="灯片编号占位符 6">
             <a:extLst>
               <a:ext uri="{FF2B5EF4-FFF2-40B4-BE49-F238E27FC236}">
-                <a16:creationId xmlns:a16="http://schemas.microsoft.com/office/drawing/2014/main" id="{FC1927C8-3E81-4457-24AF-AD2B60817CD5}"/>
+                <a16:creationId xmlns:a16="http://schemas.microsoft.com/office/drawing/2014/main" id="{B96309C7-57B1-E5CE-1252-0A4B64EA1A9E}"/>
               </a:ext>
             </a:extLst>
           </p:cNvPr>
@@ -2427,7 +2427,7 @@
           <a:bodyPr/>
           <a:lstStyle/>
           <a:p>
-            <a:fld id="{BEE0B715-9AF8-4539-9754-FAEE19351227}" type="slidenum">
+            <a:fld id="{5186EB5D-3061-4AAD-BE0C-1ADDE53A9917}" type="slidenum">
               <a:rPr lang="zh-CN" altLang="en-US" smtClean="0"/>
               <a:t>‹#›</a:t>
             </a:fld>
@@ -2438,7 +2438,7 @@
     </p:spTree>
     <p:extLst>
       <p:ext uri="{BB962C8B-B14F-4D97-AF65-F5344CB8AC3E}">
-        <p14:creationId xmlns:p14="http://schemas.microsoft.com/office/powerpoint/2010/main" val="1087207395"/>
+        <p14:creationId xmlns:p14="http://schemas.microsoft.com/office/powerpoint/2010/main" val="468673688"/>
       </p:ext>
     </p:extLst>
   </p:cSld>
@@ -2470,7 +2470,7 @@
           <p:cNvPr id="2" name="标题 1">
             <a:extLst>
               <a:ext uri="{FF2B5EF4-FFF2-40B4-BE49-F238E27FC236}">
-                <a16:creationId xmlns:a16="http://schemas.microsoft.com/office/drawing/2014/main" id="{8E0A4DF6-6A20-2269-6E6E-51C049819E67}"/>
+                <a16:creationId xmlns:a16="http://schemas.microsoft.com/office/drawing/2014/main" id="{86D5B2A3-E622-E045-60A1-D6C643BA2434}"/>
               </a:ext>
             </a:extLst>
           </p:cNvPr>
@@ -2507,7 +2507,7 @@
           <p:cNvPr id="3" name="图片占位符 2">
             <a:extLst>
               <a:ext uri="{FF2B5EF4-FFF2-40B4-BE49-F238E27FC236}">
-                <a16:creationId xmlns:a16="http://schemas.microsoft.com/office/drawing/2014/main" id="{97B255C0-481D-8C2E-8EF7-4935293A8334}"/>
+                <a16:creationId xmlns:a16="http://schemas.microsoft.com/office/drawing/2014/main" id="{C12F4F0D-B85E-4141-7B52-7FA2054519C4}"/>
               </a:ext>
             </a:extLst>
           </p:cNvPr>
@@ -2574,7 +2574,7 @@
           <p:cNvPr id="4" name="文本占位符 3">
             <a:extLst>
               <a:ext uri="{FF2B5EF4-FFF2-40B4-BE49-F238E27FC236}">
-                <a16:creationId xmlns:a16="http://schemas.microsoft.com/office/drawing/2014/main" id="{608D6FD7-7212-3394-E8A7-0EFBD19B833B}"/>
+                <a16:creationId xmlns:a16="http://schemas.microsoft.com/office/drawing/2014/main" id="{955BC8E2-3B46-DCDE-11AD-DA64926A9599}"/>
               </a:ext>
             </a:extLst>
           </p:cNvPr>
@@ -2645,7 +2645,7 @@
           <p:cNvPr id="5" name="日期占位符 4">
             <a:extLst>
               <a:ext uri="{FF2B5EF4-FFF2-40B4-BE49-F238E27FC236}">
-                <a16:creationId xmlns:a16="http://schemas.microsoft.com/office/drawing/2014/main" id="{8C565A5F-5164-8539-8695-909C6BC6DBFA}"/>
+                <a16:creationId xmlns:a16="http://schemas.microsoft.com/office/drawing/2014/main" id="{8FF6791B-55DC-CD3D-92DC-419A5730A427}"/>
               </a:ext>
             </a:extLst>
           </p:cNvPr>
@@ -2661,7 +2661,7 @@
           <a:bodyPr/>
           <a:lstStyle/>
           <a:p>
-            <a:fld id="{2C3D02B5-99F3-49F4-B466-8FFF4A3A7F4C}" type="datetimeFigureOut">
+            <a:fld id="{8EBBAB8A-1043-46CF-B0DB-87BE03868F5F}" type="datetimeFigureOut">
               <a:rPr lang="zh-CN" altLang="en-US" smtClean="0"/>
               <a:t>2024/3/10</a:t>
             </a:fld>
@@ -2674,7 +2674,7 @@
           <p:cNvPr id="6" name="页脚占位符 5">
             <a:extLst>
               <a:ext uri="{FF2B5EF4-FFF2-40B4-BE49-F238E27FC236}">
-                <a16:creationId xmlns:a16="http://schemas.microsoft.com/office/drawing/2014/main" id="{AC9CB76C-EFEC-C7D3-22C1-D159EC6E67C1}"/>
+                <a16:creationId xmlns:a16="http://schemas.microsoft.com/office/drawing/2014/main" id="{DEF7B7C4-5FB3-5451-5D2D-08D43C3453CF}"/>
               </a:ext>
             </a:extLst>
           </p:cNvPr>
@@ -2699,7 +2699,7 @@
           <p:cNvPr id="7" name="灯片编号占位符 6">
             <a:extLst>
               <a:ext uri="{FF2B5EF4-FFF2-40B4-BE49-F238E27FC236}">
-                <a16:creationId xmlns:a16="http://schemas.microsoft.com/office/drawing/2014/main" id="{8EC3A0ED-212F-47BC-7F27-CEEC5780B819}"/>
+                <a16:creationId xmlns:a16="http://schemas.microsoft.com/office/drawing/2014/main" id="{7F02A05C-2092-ABA0-E6C9-540C9EAACB10}"/>
               </a:ext>
             </a:extLst>
           </p:cNvPr>
@@ -2715,7 +2715,7 @@
           <a:bodyPr/>
           <a:lstStyle/>
           <a:p>
-            <a:fld id="{BEE0B715-9AF8-4539-9754-FAEE19351227}" type="slidenum">
+            <a:fld id="{5186EB5D-3061-4AAD-BE0C-1ADDE53A9917}" type="slidenum">
               <a:rPr lang="zh-CN" altLang="en-US" smtClean="0"/>
               <a:t>‹#›</a:t>
             </a:fld>
@@ -2726,7 +2726,7 @@
     </p:spTree>
     <p:extLst>
       <p:ext uri="{BB962C8B-B14F-4D97-AF65-F5344CB8AC3E}">
-        <p14:creationId xmlns:p14="http://schemas.microsoft.com/office/powerpoint/2010/main" val="1273599393"/>
+        <p14:creationId xmlns:p14="http://schemas.microsoft.com/office/powerpoint/2010/main" val="3579015080"/>
       </p:ext>
     </p:extLst>
   </p:cSld>
@@ -2763,7 +2763,7 @@
           <p:cNvPr id="2" name="标题占位符 1">
             <a:extLst>
               <a:ext uri="{FF2B5EF4-FFF2-40B4-BE49-F238E27FC236}">
-                <a16:creationId xmlns:a16="http://schemas.microsoft.com/office/drawing/2014/main" id="{0BD1892D-6EF5-EF4B-54C5-F32CC7E1F1E3}"/>
+                <a16:creationId xmlns:a16="http://schemas.microsoft.com/office/drawing/2014/main" id="{4E47A2ED-59D4-C0CD-C5EF-7C6054610B2E}"/>
               </a:ext>
             </a:extLst>
           </p:cNvPr>
@@ -2801,7 +2801,7 @@
           <p:cNvPr id="3" name="文本占位符 2">
             <a:extLst>
               <a:ext uri="{FF2B5EF4-FFF2-40B4-BE49-F238E27FC236}">
-                <a16:creationId xmlns:a16="http://schemas.microsoft.com/office/drawing/2014/main" id="{18952F46-3097-4F3B-09B4-6495175B8FF4}"/>
+                <a16:creationId xmlns:a16="http://schemas.microsoft.com/office/drawing/2014/main" id="{C7B23112-FDA7-B4E4-0BBC-812655DEC717}"/>
               </a:ext>
             </a:extLst>
           </p:cNvPr>
@@ -2868,7 +2868,7 @@
           <p:cNvPr id="4" name="日期占位符 3">
             <a:extLst>
               <a:ext uri="{FF2B5EF4-FFF2-40B4-BE49-F238E27FC236}">
-                <a16:creationId xmlns:a16="http://schemas.microsoft.com/office/drawing/2014/main" id="{77B28A6D-E76B-A61C-A4E1-81334CC653D3}"/>
+                <a16:creationId xmlns:a16="http://schemas.microsoft.com/office/drawing/2014/main" id="{D4722DCA-E038-68F4-EA1E-661D8306195E}"/>
               </a:ext>
             </a:extLst>
           </p:cNvPr>
@@ -2902,7 +2902,7 @@
             </a:lvl1pPr>
           </a:lstStyle>
           <a:p>
-            <a:fld id="{2C3D02B5-99F3-49F4-B466-8FFF4A3A7F4C}" type="datetimeFigureOut">
+            <a:fld id="{8EBBAB8A-1043-46CF-B0DB-87BE03868F5F}" type="datetimeFigureOut">
               <a:rPr lang="zh-CN" altLang="en-US" smtClean="0"/>
               <a:t>2024/3/10</a:t>
             </a:fld>
@@ -2915,7 +2915,7 @@
           <p:cNvPr id="5" name="页脚占位符 4">
             <a:extLst>
               <a:ext uri="{FF2B5EF4-FFF2-40B4-BE49-F238E27FC236}">
-                <a16:creationId xmlns:a16="http://schemas.microsoft.com/office/drawing/2014/main" id="{ED568835-02B6-5210-F205-A51634B1EEC3}"/>
+                <a16:creationId xmlns:a16="http://schemas.microsoft.com/office/drawing/2014/main" id="{5E2D00BF-BDAB-FD78-E908-B245FB31AECD}"/>
               </a:ext>
             </a:extLst>
           </p:cNvPr>
@@ -2958,7 +2958,7 @@
           <p:cNvPr id="6" name="灯片编号占位符 5">
             <a:extLst>
               <a:ext uri="{FF2B5EF4-FFF2-40B4-BE49-F238E27FC236}">
-                <a16:creationId xmlns:a16="http://schemas.microsoft.com/office/drawing/2014/main" id="{97BC6515-A2B7-7A78-8758-16C823AFEF40}"/>
+                <a16:creationId xmlns:a16="http://schemas.microsoft.com/office/drawing/2014/main" id="{5AE8A427-C188-35B1-DC80-9143C1373C29}"/>
               </a:ext>
             </a:extLst>
           </p:cNvPr>
@@ -2992,7 +2992,7 @@
             </a:lvl1pPr>
           </a:lstStyle>
           <a:p>
-            <a:fld id="{BEE0B715-9AF8-4539-9754-FAEE19351227}" type="slidenum">
+            <a:fld id="{5186EB5D-3061-4AAD-BE0C-1ADDE53A9917}" type="slidenum">
               <a:rPr lang="zh-CN" altLang="en-US" smtClean="0"/>
               <a:t>‹#›</a:t>
             </a:fld>
@@ -3003,7 +3003,7 @@
     </p:spTree>
     <p:extLst>
       <p:ext uri="{BB962C8B-B14F-4D97-AF65-F5344CB8AC3E}">
-        <p14:creationId xmlns:p14="http://schemas.microsoft.com/office/powerpoint/2010/main" val="401789417"/>
+        <p14:creationId xmlns:p14="http://schemas.microsoft.com/office/powerpoint/2010/main" val="967982390"/>
       </p:ext>
     </p:extLst>
   </p:cSld>
